--- a/ppt 16-9/0700.我的灯需要油.pptx
+++ b/ppt 16-9/0700.我的灯需要油.pptx
@@ -5,7 +5,7 @@
     <p:sldMasterId id="2147483648" r:id="rId1"/>
   </p:sldMasterIdLst>
   <p:sldIdLst>
-    <p:sldId id="2517" r:id="rId2"/>
+    <p:sldId id="1923" r:id="rId2"/>
   </p:sldIdLst>
   <p:sldSz cx="12192000" cy="6858000"/>
   <p:notesSz cx="6858000" cy="9144000"/>
@@ -129,7 +129,7 @@
           <p:cNvPr id="2" name="标题 1">
             <a:extLst>
               <a:ext uri="{FF2B5EF4-FFF2-40B4-BE49-F238E27FC236}">
-                <a16:creationId xmlns:a16="http://schemas.microsoft.com/office/drawing/2014/main" id="{9F5AD3DC-B44B-DA72-03BD-6FCE02E48440}"/>
+                <a16:creationId xmlns:a16="http://schemas.microsoft.com/office/drawing/2014/main" id="{5DDB8111-9934-73E0-C4A1-58F53F539D69}"/>
               </a:ext>
             </a:extLst>
           </p:cNvPr>
@@ -166,7 +166,7 @@
           <p:cNvPr id="3" name="副标题 2">
             <a:extLst>
               <a:ext uri="{FF2B5EF4-FFF2-40B4-BE49-F238E27FC236}">
-                <a16:creationId xmlns:a16="http://schemas.microsoft.com/office/drawing/2014/main" id="{E07F2E1A-3D3A-6799-E647-19E0CF8E8EDA}"/>
+                <a16:creationId xmlns:a16="http://schemas.microsoft.com/office/drawing/2014/main" id="{BB0B117E-0769-DA4E-3DEC-2E8FD5882FC3}"/>
               </a:ext>
             </a:extLst>
           </p:cNvPr>
@@ -236,7 +236,7 @@
           <p:cNvPr id="4" name="日期占位符 3">
             <a:extLst>
               <a:ext uri="{FF2B5EF4-FFF2-40B4-BE49-F238E27FC236}">
-                <a16:creationId xmlns:a16="http://schemas.microsoft.com/office/drawing/2014/main" id="{739E63DE-48B1-8A06-AC46-865CD210ECA1}"/>
+                <a16:creationId xmlns:a16="http://schemas.microsoft.com/office/drawing/2014/main" id="{27C3DC21-5486-C80C-0DD1-1E853E2617C2}"/>
               </a:ext>
             </a:extLst>
           </p:cNvPr>
@@ -252,7 +252,7 @@
           <a:bodyPr/>
           <a:lstStyle/>
           <a:p>
-            <a:fld id="{B5F54EA4-DFE5-4A93-A92C-9329DC63FF94}" type="datetimeFigureOut">
+            <a:fld id="{1E459232-470C-4E6B-83B0-DE9B9AF9E55F}" type="datetimeFigureOut">
               <a:rPr lang="zh-CN" altLang="en-US" smtClean="0"/>
               <a:t>2024/3/10</a:t>
             </a:fld>
@@ -265,7 +265,7 @@
           <p:cNvPr id="5" name="页脚占位符 4">
             <a:extLst>
               <a:ext uri="{FF2B5EF4-FFF2-40B4-BE49-F238E27FC236}">
-                <a16:creationId xmlns:a16="http://schemas.microsoft.com/office/drawing/2014/main" id="{8BF62FDE-BEFF-69BC-AEA9-1F47D691A71F}"/>
+                <a16:creationId xmlns:a16="http://schemas.microsoft.com/office/drawing/2014/main" id="{E526FA50-86DE-37D5-21B6-B3359F60D99F}"/>
               </a:ext>
             </a:extLst>
           </p:cNvPr>
@@ -290,7 +290,7 @@
           <p:cNvPr id="6" name="灯片编号占位符 5">
             <a:extLst>
               <a:ext uri="{FF2B5EF4-FFF2-40B4-BE49-F238E27FC236}">
-                <a16:creationId xmlns:a16="http://schemas.microsoft.com/office/drawing/2014/main" id="{C9CD8841-4DBA-F0B5-8376-7F4B4E0E0D22}"/>
+                <a16:creationId xmlns:a16="http://schemas.microsoft.com/office/drawing/2014/main" id="{A6D0D48B-830B-D717-3654-626CACCF95EB}"/>
               </a:ext>
             </a:extLst>
           </p:cNvPr>
@@ -306,7 +306,7 @@
           <a:bodyPr/>
           <a:lstStyle/>
           <a:p>
-            <a:fld id="{8A482C0D-44E8-4D5D-B5B4-B3E769D7F054}" type="slidenum">
+            <a:fld id="{8161A78D-CCF2-4BBB-B090-B8FCBF00980A}" type="slidenum">
               <a:rPr lang="zh-CN" altLang="en-US" smtClean="0"/>
               <a:t>‹#›</a:t>
             </a:fld>
@@ -317,7 +317,7 @@
     </p:spTree>
     <p:extLst>
       <p:ext uri="{BB962C8B-B14F-4D97-AF65-F5344CB8AC3E}">
-        <p14:creationId xmlns:p14="http://schemas.microsoft.com/office/powerpoint/2010/main" val="2946917385"/>
+        <p14:creationId xmlns:p14="http://schemas.microsoft.com/office/powerpoint/2010/main" val="277642239"/>
       </p:ext>
     </p:extLst>
   </p:cSld>
@@ -349,7 +349,7 @@
           <p:cNvPr id="2" name="标题 1">
             <a:extLst>
               <a:ext uri="{FF2B5EF4-FFF2-40B4-BE49-F238E27FC236}">
-                <a16:creationId xmlns:a16="http://schemas.microsoft.com/office/drawing/2014/main" id="{3B026BB6-3E2A-D697-C753-2B44D35D5DE0}"/>
+                <a16:creationId xmlns:a16="http://schemas.microsoft.com/office/drawing/2014/main" id="{C4F9502B-F947-9E77-20BF-A73F8E5480E8}"/>
               </a:ext>
             </a:extLst>
           </p:cNvPr>
@@ -377,7 +377,7 @@
           <p:cNvPr id="3" name="竖排文字占位符 2">
             <a:extLst>
               <a:ext uri="{FF2B5EF4-FFF2-40B4-BE49-F238E27FC236}">
-                <a16:creationId xmlns:a16="http://schemas.microsoft.com/office/drawing/2014/main" id="{06FC58B5-EB6D-0B4B-522A-81403E878DE6}"/>
+                <a16:creationId xmlns:a16="http://schemas.microsoft.com/office/drawing/2014/main" id="{E9D1AC03-A19B-4B31-63E2-4A25FE5511C8}"/>
               </a:ext>
             </a:extLst>
           </p:cNvPr>
@@ -434,7 +434,7 @@
           <p:cNvPr id="4" name="日期占位符 3">
             <a:extLst>
               <a:ext uri="{FF2B5EF4-FFF2-40B4-BE49-F238E27FC236}">
-                <a16:creationId xmlns:a16="http://schemas.microsoft.com/office/drawing/2014/main" id="{17355AED-76A7-7E5F-5969-F64E55E2A60D}"/>
+                <a16:creationId xmlns:a16="http://schemas.microsoft.com/office/drawing/2014/main" id="{E917A028-0550-0910-BF87-4F94EA561816}"/>
               </a:ext>
             </a:extLst>
           </p:cNvPr>
@@ -450,7 +450,7 @@
           <a:bodyPr/>
           <a:lstStyle/>
           <a:p>
-            <a:fld id="{B5F54EA4-DFE5-4A93-A92C-9329DC63FF94}" type="datetimeFigureOut">
+            <a:fld id="{1E459232-470C-4E6B-83B0-DE9B9AF9E55F}" type="datetimeFigureOut">
               <a:rPr lang="zh-CN" altLang="en-US" smtClean="0"/>
               <a:t>2024/3/10</a:t>
             </a:fld>
@@ -463,7 +463,7 @@
           <p:cNvPr id="5" name="页脚占位符 4">
             <a:extLst>
               <a:ext uri="{FF2B5EF4-FFF2-40B4-BE49-F238E27FC236}">
-                <a16:creationId xmlns:a16="http://schemas.microsoft.com/office/drawing/2014/main" id="{478DF129-8753-BC87-6C90-6438AB5C979B}"/>
+                <a16:creationId xmlns:a16="http://schemas.microsoft.com/office/drawing/2014/main" id="{1B369544-769E-8676-7359-687097DA9754}"/>
               </a:ext>
             </a:extLst>
           </p:cNvPr>
@@ -488,7 +488,7 @@
           <p:cNvPr id="6" name="灯片编号占位符 5">
             <a:extLst>
               <a:ext uri="{FF2B5EF4-FFF2-40B4-BE49-F238E27FC236}">
-                <a16:creationId xmlns:a16="http://schemas.microsoft.com/office/drawing/2014/main" id="{72459C53-120E-9B20-39C6-E574239AD0BA}"/>
+                <a16:creationId xmlns:a16="http://schemas.microsoft.com/office/drawing/2014/main" id="{5B978AA0-8D05-5B22-488B-DD949694963D}"/>
               </a:ext>
             </a:extLst>
           </p:cNvPr>
@@ -504,7 +504,7 @@
           <a:bodyPr/>
           <a:lstStyle/>
           <a:p>
-            <a:fld id="{8A482C0D-44E8-4D5D-B5B4-B3E769D7F054}" type="slidenum">
+            <a:fld id="{8161A78D-CCF2-4BBB-B090-B8FCBF00980A}" type="slidenum">
               <a:rPr lang="zh-CN" altLang="en-US" smtClean="0"/>
               <a:t>‹#›</a:t>
             </a:fld>
@@ -515,7 +515,7 @@
     </p:spTree>
     <p:extLst>
       <p:ext uri="{BB962C8B-B14F-4D97-AF65-F5344CB8AC3E}">
-        <p14:creationId xmlns:p14="http://schemas.microsoft.com/office/powerpoint/2010/main" val="841633329"/>
+        <p14:creationId xmlns:p14="http://schemas.microsoft.com/office/powerpoint/2010/main" val="2189097658"/>
       </p:ext>
     </p:extLst>
   </p:cSld>
@@ -547,7 +547,7 @@
           <p:cNvPr id="2" name="竖排标题 1">
             <a:extLst>
               <a:ext uri="{FF2B5EF4-FFF2-40B4-BE49-F238E27FC236}">
-                <a16:creationId xmlns:a16="http://schemas.microsoft.com/office/drawing/2014/main" id="{B615EE06-EAF2-8539-330E-6A76536CF63D}"/>
+                <a16:creationId xmlns:a16="http://schemas.microsoft.com/office/drawing/2014/main" id="{98091338-B2AF-9FC2-FCC8-302CDE030F55}"/>
               </a:ext>
             </a:extLst>
           </p:cNvPr>
@@ -580,7 +580,7 @@
           <p:cNvPr id="3" name="竖排文字占位符 2">
             <a:extLst>
               <a:ext uri="{FF2B5EF4-FFF2-40B4-BE49-F238E27FC236}">
-                <a16:creationId xmlns:a16="http://schemas.microsoft.com/office/drawing/2014/main" id="{122FC062-6D4C-9BF0-BBEF-E95B9BE3AA95}"/>
+                <a16:creationId xmlns:a16="http://schemas.microsoft.com/office/drawing/2014/main" id="{E03CDA90-90D8-2A6E-CC79-EF76BEF592AE}"/>
               </a:ext>
             </a:extLst>
           </p:cNvPr>
@@ -642,7 +642,7 @@
           <p:cNvPr id="4" name="日期占位符 3">
             <a:extLst>
               <a:ext uri="{FF2B5EF4-FFF2-40B4-BE49-F238E27FC236}">
-                <a16:creationId xmlns:a16="http://schemas.microsoft.com/office/drawing/2014/main" id="{33B34EFB-B658-16A6-1662-E7A5464C56E2}"/>
+                <a16:creationId xmlns:a16="http://schemas.microsoft.com/office/drawing/2014/main" id="{0CD8CAFE-A32F-B893-69B0-A649EB829146}"/>
               </a:ext>
             </a:extLst>
           </p:cNvPr>
@@ -658,7 +658,7 @@
           <a:bodyPr/>
           <a:lstStyle/>
           <a:p>
-            <a:fld id="{B5F54EA4-DFE5-4A93-A92C-9329DC63FF94}" type="datetimeFigureOut">
+            <a:fld id="{1E459232-470C-4E6B-83B0-DE9B9AF9E55F}" type="datetimeFigureOut">
               <a:rPr lang="zh-CN" altLang="en-US" smtClean="0"/>
               <a:t>2024/3/10</a:t>
             </a:fld>
@@ -671,7 +671,7 @@
           <p:cNvPr id="5" name="页脚占位符 4">
             <a:extLst>
               <a:ext uri="{FF2B5EF4-FFF2-40B4-BE49-F238E27FC236}">
-                <a16:creationId xmlns:a16="http://schemas.microsoft.com/office/drawing/2014/main" id="{F1D1D5A2-D879-48D0-B6D9-C62E2213040B}"/>
+                <a16:creationId xmlns:a16="http://schemas.microsoft.com/office/drawing/2014/main" id="{A1C53B78-9834-0D9C-22A3-B7E601EC9D24}"/>
               </a:ext>
             </a:extLst>
           </p:cNvPr>
@@ -696,7 +696,7 @@
           <p:cNvPr id="6" name="灯片编号占位符 5">
             <a:extLst>
               <a:ext uri="{FF2B5EF4-FFF2-40B4-BE49-F238E27FC236}">
-                <a16:creationId xmlns:a16="http://schemas.microsoft.com/office/drawing/2014/main" id="{4D88CFA3-3A2A-082E-1CDB-247D8EA38181}"/>
+                <a16:creationId xmlns:a16="http://schemas.microsoft.com/office/drawing/2014/main" id="{61F8029B-BFA4-2F8D-9132-202CE2D53252}"/>
               </a:ext>
             </a:extLst>
           </p:cNvPr>
@@ -712,7 +712,7 @@
           <a:bodyPr/>
           <a:lstStyle/>
           <a:p>
-            <a:fld id="{8A482C0D-44E8-4D5D-B5B4-B3E769D7F054}" type="slidenum">
+            <a:fld id="{8161A78D-CCF2-4BBB-B090-B8FCBF00980A}" type="slidenum">
               <a:rPr lang="zh-CN" altLang="en-US" smtClean="0"/>
               <a:t>‹#›</a:t>
             </a:fld>
@@ -723,7 +723,7 @@
     </p:spTree>
     <p:extLst>
       <p:ext uri="{BB962C8B-B14F-4D97-AF65-F5344CB8AC3E}">
-        <p14:creationId xmlns:p14="http://schemas.microsoft.com/office/powerpoint/2010/main" val="1863680251"/>
+        <p14:creationId xmlns:p14="http://schemas.microsoft.com/office/powerpoint/2010/main" val="3880659960"/>
       </p:ext>
     </p:extLst>
   </p:cSld>
@@ -755,7 +755,7 @@
           <p:cNvPr id="2" name="标题 1">
             <a:extLst>
               <a:ext uri="{FF2B5EF4-FFF2-40B4-BE49-F238E27FC236}">
-                <a16:creationId xmlns:a16="http://schemas.microsoft.com/office/drawing/2014/main" id="{78B25679-6BEE-A887-254B-E049038378CC}"/>
+                <a16:creationId xmlns:a16="http://schemas.microsoft.com/office/drawing/2014/main" id="{32F70F77-F0B7-3EFA-3F76-75A62C57D695}"/>
               </a:ext>
             </a:extLst>
           </p:cNvPr>
@@ -783,7 +783,7 @@
           <p:cNvPr id="3" name="内容占位符 2">
             <a:extLst>
               <a:ext uri="{FF2B5EF4-FFF2-40B4-BE49-F238E27FC236}">
-                <a16:creationId xmlns:a16="http://schemas.microsoft.com/office/drawing/2014/main" id="{C0A7D6A4-4514-6D0F-1226-9E89DE5EE83C}"/>
+                <a16:creationId xmlns:a16="http://schemas.microsoft.com/office/drawing/2014/main" id="{B642F2D6-DB3D-D1C7-C473-DB43D19E8860}"/>
               </a:ext>
             </a:extLst>
           </p:cNvPr>
@@ -840,7 +840,7 @@
           <p:cNvPr id="4" name="日期占位符 3">
             <a:extLst>
               <a:ext uri="{FF2B5EF4-FFF2-40B4-BE49-F238E27FC236}">
-                <a16:creationId xmlns:a16="http://schemas.microsoft.com/office/drawing/2014/main" id="{DFE63D8F-84C8-F5E1-81C2-80E61C1128C3}"/>
+                <a16:creationId xmlns:a16="http://schemas.microsoft.com/office/drawing/2014/main" id="{B78607E1-19C9-94F4-7090-B423C394DB15}"/>
               </a:ext>
             </a:extLst>
           </p:cNvPr>
@@ -856,7 +856,7 @@
           <a:bodyPr/>
           <a:lstStyle/>
           <a:p>
-            <a:fld id="{B5F54EA4-DFE5-4A93-A92C-9329DC63FF94}" type="datetimeFigureOut">
+            <a:fld id="{1E459232-470C-4E6B-83B0-DE9B9AF9E55F}" type="datetimeFigureOut">
               <a:rPr lang="zh-CN" altLang="en-US" smtClean="0"/>
               <a:t>2024/3/10</a:t>
             </a:fld>
@@ -869,7 +869,7 @@
           <p:cNvPr id="5" name="页脚占位符 4">
             <a:extLst>
               <a:ext uri="{FF2B5EF4-FFF2-40B4-BE49-F238E27FC236}">
-                <a16:creationId xmlns:a16="http://schemas.microsoft.com/office/drawing/2014/main" id="{CC4D8398-38B2-612B-AE95-1F8EDA7BBD2F}"/>
+                <a16:creationId xmlns:a16="http://schemas.microsoft.com/office/drawing/2014/main" id="{8C3BE550-A2A8-30D0-ABD8-4C5E24E162FB}"/>
               </a:ext>
             </a:extLst>
           </p:cNvPr>
@@ -894,7 +894,7 @@
           <p:cNvPr id="6" name="灯片编号占位符 5">
             <a:extLst>
               <a:ext uri="{FF2B5EF4-FFF2-40B4-BE49-F238E27FC236}">
-                <a16:creationId xmlns:a16="http://schemas.microsoft.com/office/drawing/2014/main" id="{6FE06519-9578-F1EE-A6A3-8A67D121EB7B}"/>
+                <a16:creationId xmlns:a16="http://schemas.microsoft.com/office/drawing/2014/main" id="{34EF9A38-7641-B98B-EA88-38DCB5774D2B}"/>
               </a:ext>
             </a:extLst>
           </p:cNvPr>
@@ -910,7 +910,7 @@
           <a:bodyPr/>
           <a:lstStyle/>
           <a:p>
-            <a:fld id="{8A482C0D-44E8-4D5D-B5B4-B3E769D7F054}" type="slidenum">
+            <a:fld id="{8161A78D-CCF2-4BBB-B090-B8FCBF00980A}" type="slidenum">
               <a:rPr lang="zh-CN" altLang="en-US" smtClean="0"/>
               <a:t>‹#›</a:t>
             </a:fld>
@@ -921,7 +921,7 @@
     </p:spTree>
     <p:extLst>
       <p:ext uri="{BB962C8B-B14F-4D97-AF65-F5344CB8AC3E}">
-        <p14:creationId xmlns:p14="http://schemas.microsoft.com/office/powerpoint/2010/main" val="335882018"/>
+        <p14:creationId xmlns:p14="http://schemas.microsoft.com/office/powerpoint/2010/main" val="4139339266"/>
       </p:ext>
     </p:extLst>
   </p:cSld>
@@ -953,7 +953,7 @@
           <p:cNvPr id="2" name="标题 1">
             <a:extLst>
               <a:ext uri="{FF2B5EF4-FFF2-40B4-BE49-F238E27FC236}">
-                <a16:creationId xmlns:a16="http://schemas.microsoft.com/office/drawing/2014/main" id="{44843C01-8CC1-E585-F1C2-6409EBE8A95B}"/>
+                <a16:creationId xmlns:a16="http://schemas.microsoft.com/office/drawing/2014/main" id="{33DC5B7B-BAE9-1F09-093B-E27FE6E584C3}"/>
               </a:ext>
             </a:extLst>
           </p:cNvPr>
@@ -990,7 +990,7 @@
           <p:cNvPr id="3" name="文本占位符 2">
             <a:extLst>
               <a:ext uri="{FF2B5EF4-FFF2-40B4-BE49-F238E27FC236}">
-                <a16:creationId xmlns:a16="http://schemas.microsoft.com/office/drawing/2014/main" id="{C9A59436-7483-74A7-CE48-A2F29A60A244}"/>
+                <a16:creationId xmlns:a16="http://schemas.microsoft.com/office/drawing/2014/main" id="{D9A95FC8-CB53-CFBE-1959-4F0E633F9080}"/>
               </a:ext>
             </a:extLst>
           </p:cNvPr>
@@ -1115,7 +1115,7 @@
           <p:cNvPr id="4" name="日期占位符 3">
             <a:extLst>
               <a:ext uri="{FF2B5EF4-FFF2-40B4-BE49-F238E27FC236}">
-                <a16:creationId xmlns:a16="http://schemas.microsoft.com/office/drawing/2014/main" id="{2CEDBC62-303C-6633-4E17-DDCDA829A225}"/>
+                <a16:creationId xmlns:a16="http://schemas.microsoft.com/office/drawing/2014/main" id="{937CFDDE-0C6C-5E51-FFF4-0E1A5A6275BB}"/>
               </a:ext>
             </a:extLst>
           </p:cNvPr>
@@ -1131,7 +1131,7 @@
           <a:bodyPr/>
           <a:lstStyle/>
           <a:p>
-            <a:fld id="{B5F54EA4-DFE5-4A93-A92C-9329DC63FF94}" type="datetimeFigureOut">
+            <a:fld id="{1E459232-470C-4E6B-83B0-DE9B9AF9E55F}" type="datetimeFigureOut">
               <a:rPr lang="zh-CN" altLang="en-US" smtClean="0"/>
               <a:t>2024/3/10</a:t>
             </a:fld>
@@ -1144,7 +1144,7 @@
           <p:cNvPr id="5" name="页脚占位符 4">
             <a:extLst>
               <a:ext uri="{FF2B5EF4-FFF2-40B4-BE49-F238E27FC236}">
-                <a16:creationId xmlns:a16="http://schemas.microsoft.com/office/drawing/2014/main" id="{7E3477C1-78B6-F052-E773-53520A685AB7}"/>
+                <a16:creationId xmlns:a16="http://schemas.microsoft.com/office/drawing/2014/main" id="{CC8383A8-6BD1-C540-7330-9E4C363118C1}"/>
               </a:ext>
             </a:extLst>
           </p:cNvPr>
@@ -1169,7 +1169,7 @@
           <p:cNvPr id="6" name="灯片编号占位符 5">
             <a:extLst>
               <a:ext uri="{FF2B5EF4-FFF2-40B4-BE49-F238E27FC236}">
-                <a16:creationId xmlns:a16="http://schemas.microsoft.com/office/drawing/2014/main" id="{A69805C8-9495-5DDA-8E5D-67845BA5A58B}"/>
+                <a16:creationId xmlns:a16="http://schemas.microsoft.com/office/drawing/2014/main" id="{03A8F22C-ACF3-95A9-9357-AEF39B23306D}"/>
               </a:ext>
             </a:extLst>
           </p:cNvPr>
@@ -1185,7 +1185,7 @@
           <a:bodyPr/>
           <a:lstStyle/>
           <a:p>
-            <a:fld id="{8A482C0D-44E8-4D5D-B5B4-B3E769D7F054}" type="slidenum">
+            <a:fld id="{8161A78D-CCF2-4BBB-B090-B8FCBF00980A}" type="slidenum">
               <a:rPr lang="zh-CN" altLang="en-US" smtClean="0"/>
               <a:t>‹#›</a:t>
             </a:fld>
@@ -1196,7 +1196,7 @@
     </p:spTree>
     <p:extLst>
       <p:ext uri="{BB962C8B-B14F-4D97-AF65-F5344CB8AC3E}">
-        <p14:creationId xmlns:p14="http://schemas.microsoft.com/office/powerpoint/2010/main" val="974504008"/>
+        <p14:creationId xmlns:p14="http://schemas.microsoft.com/office/powerpoint/2010/main" val="29489108"/>
       </p:ext>
     </p:extLst>
   </p:cSld>
@@ -1228,7 +1228,7 @@
           <p:cNvPr id="2" name="标题 1">
             <a:extLst>
               <a:ext uri="{FF2B5EF4-FFF2-40B4-BE49-F238E27FC236}">
-                <a16:creationId xmlns:a16="http://schemas.microsoft.com/office/drawing/2014/main" id="{6D32DAEE-820A-36EE-2FEB-E3DB9CA00C99}"/>
+                <a16:creationId xmlns:a16="http://schemas.microsoft.com/office/drawing/2014/main" id="{700684E6-0D71-239E-0277-608F32FB45A5}"/>
               </a:ext>
             </a:extLst>
           </p:cNvPr>
@@ -1256,7 +1256,7 @@
           <p:cNvPr id="3" name="内容占位符 2">
             <a:extLst>
               <a:ext uri="{FF2B5EF4-FFF2-40B4-BE49-F238E27FC236}">
-                <a16:creationId xmlns:a16="http://schemas.microsoft.com/office/drawing/2014/main" id="{17313B17-4E9B-786B-5E0B-5865CA795939}"/>
+                <a16:creationId xmlns:a16="http://schemas.microsoft.com/office/drawing/2014/main" id="{810A1065-8853-3623-D07B-B871F3894FE2}"/>
               </a:ext>
             </a:extLst>
           </p:cNvPr>
@@ -1318,7 +1318,7 @@
           <p:cNvPr id="4" name="内容占位符 3">
             <a:extLst>
               <a:ext uri="{FF2B5EF4-FFF2-40B4-BE49-F238E27FC236}">
-                <a16:creationId xmlns:a16="http://schemas.microsoft.com/office/drawing/2014/main" id="{44ACA7AB-F957-4144-3BCB-543D5D447B9C}"/>
+                <a16:creationId xmlns:a16="http://schemas.microsoft.com/office/drawing/2014/main" id="{02174330-A023-3C60-C22A-4F9A70C87A97}"/>
               </a:ext>
             </a:extLst>
           </p:cNvPr>
@@ -1380,7 +1380,7 @@
           <p:cNvPr id="5" name="日期占位符 4">
             <a:extLst>
               <a:ext uri="{FF2B5EF4-FFF2-40B4-BE49-F238E27FC236}">
-                <a16:creationId xmlns:a16="http://schemas.microsoft.com/office/drawing/2014/main" id="{4415A967-056C-DF16-0784-C4033C938BF3}"/>
+                <a16:creationId xmlns:a16="http://schemas.microsoft.com/office/drawing/2014/main" id="{7873981D-E32B-5CE4-2753-004E78437F85}"/>
               </a:ext>
             </a:extLst>
           </p:cNvPr>
@@ -1396,7 +1396,7 @@
           <a:bodyPr/>
           <a:lstStyle/>
           <a:p>
-            <a:fld id="{B5F54EA4-DFE5-4A93-A92C-9329DC63FF94}" type="datetimeFigureOut">
+            <a:fld id="{1E459232-470C-4E6B-83B0-DE9B9AF9E55F}" type="datetimeFigureOut">
               <a:rPr lang="zh-CN" altLang="en-US" smtClean="0"/>
               <a:t>2024/3/10</a:t>
             </a:fld>
@@ -1409,7 +1409,7 @@
           <p:cNvPr id="6" name="页脚占位符 5">
             <a:extLst>
               <a:ext uri="{FF2B5EF4-FFF2-40B4-BE49-F238E27FC236}">
-                <a16:creationId xmlns:a16="http://schemas.microsoft.com/office/drawing/2014/main" id="{0E688E6B-9122-A2E8-7FE7-A93F8DB40ACE}"/>
+                <a16:creationId xmlns:a16="http://schemas.microsoft.com/office/drawing/2014/main" id="{E9BD41D4-67B0-977F-CE18-BA32A22952B8}"/>
               </a:ext>
             </a:extLst>
           </p:cNvPr>
@@ -1434,7 +1434,7 @@
           <p:cNvPr id="7" name="灯片编号占位符 6">
             <a:extLst>
               <a:ext uri="{FF2B5EF4-FFF2-40B4-BE49-F238E27FC236}">
-                <a16:creationId xmlns:a16="http://schemas.microsoft.com/office/drawing/2014/main" id="{221E9A15-7F6F-566E-53EB-BC571858454E}"/>
+                <a16:creationId xmlns:a16="http://schemas.microsoft.com/office/drawing/2014/main" id="{EE1CDA96-8ECA-D0C4-6AD4-F523DB0A6A76}"/>
               </a:ext>
             </a:extLst>
           </p:cNvPr>
@@ -1450,7 +1450,7 @@
           <a:bodyPr/>
           <a:lstStyle/>
           <a:p>
-            <a:fld id="{8A482C0D-44E8-4D5D-B5B4-B3E769D7F054}" type="slidenum">
+            <a:fld id="{8161A78D-CCF2-4BBB-B090-B8FCBF00980A}" type="slidenum">
               <a:rPr lang="zh-CN" altLang="en-US" smtClean="0"/>
               <a:t>‹#›</a:t>
             </a:fld>
@@ -1461,7 +1461,7 @@
     </p:spTree>
     <p:extLst>
       <p:ext uri="{BB962C8B-B14F-4D97-AF65-F5344CB8AC3E}">
-        <p14:creationId xmlns:p14="http://schemas.microsoft.com/office/powerpoint/2010/main" val="3983935679"/>
+        <p14:creationId xmlns:p14="http://schemas.microsoft.com/office/powerpoint/2010/main" val="1219219388"/>
       </p:ext>
     </p:extLst>
   </p:cSld>
@@ -1493,7 +1493,7 @@
           <p:cNvPr id="2" name="标题 1">
             <a:extLst>
               <a:ext uri="{FF2B5EF4-FFF2-40B4-BE49-F238E27FC236}">
-                <a16:creationId xmlns:a16="http://schemas.microsoft.com/office/drawing/2014/main" id="{A751D428-92B9-C2F3-A704-BD7F3AE5775F}"/>
+                <a16:creationId xmlns:a16="http://schemas.microsoft.com/office/drawing/2014/main" id="{FBD25F0F-3E7A-548A-8A16-C240DCEC49DD}"/>
               </a:ext>
             </a:extLst>
           </p:cNvPr>
@@ -1526,7 +1526,7 @@
           <p:cNvPr id="3" name="文本占位符 2">
             <a:extLst>
               <a:ext uri="{FF2B5EF4-FFF2-40B4-BE49-F238E27FC236}">
-                <a16:creationId xmlns:a16="http://schemas.microsoft.com/office/drawing/2014/main" id="{B7B29B6F-5EEC-596B-8425-54458C430FF3}"/>
+                <a16:creationId xmlns:a16="http://schemas.microsoft.com/office/drawing/2014/main" id="{6B53DC04-5CDB-C465-CA4D-E427595C7072}"/>
               </a:ext>
             </a:extLst>
           </p:cNvPr>
@@ -1597,7 +1597,7 @@
           <p:cNvPr id="4" name="内容占位符 3">
             <a:extLst>
               <a:ext uri="{FF2B5EF4-FFF2-40B4-BE49-F238E27FC236}">
-                <a16:creationId xmlns:a16="http://schemas.microsoft.com/office/drawing/2014/main" id="{4EFB2AD0-12B8-626B-75F2-31EA7B42CFA0}"/>
+                <a16:creationId xmlns:a16="http://schemas.microsoft.com/office/drawing/2014/main" id="{2C2FF560-1080-3BC6-9362-F4C5064102BF}"/>
               </a:ext>
             </a:extLst>
           </p:cNvPr>
@@ -1659,7 +1659,7 @@
           <p:cNvPr id="5" name="文本占位符 4">
             <a:extLst>
               <a:ext uri="{FF2B5EF4-FFF2-40B4-BE49-F238E27FC236}">
-                <a16:creationId xmlns:a16="http://schemas.microsoft.com/office/drawing/2014/main" id="{FCD00A6B-7C51-8635-55C4-130993AD7BF8}"/>
+                <a16:creationId xmlns:a16="http://schemas.microsoft.com/office/drawing/2014/main" id="{6699469E-CA17-7E27-CF91-C1F2B52D4A05}"/>
               </a:ext>
             </a:extLst>
           </p:cNvPr>
@@ -1730,7 +1730,7 @@
           <p:cNvPr id="6" name="内容占位符 5">
             <a:extLst>
               <a:ext uri="{FF2B5EF4-FFF2-40B4-BE49-F238E27FC236}">
-                <a16:creationId xmlns:a16="http://schemas.microsoft.com/office/drawing/2014/main" id="{890DB37E-516D-7C13-FF0E-45A39819C3F1}"/>
+                <a16:creationId xmlns:a16="http://schemas.microsoft.com/office/drawing/2014/main" id="{01EE3942-3685-DA1E-F72F-669CA1221C11}"/>
               </a:ext>
             </a:extLst>
           </p:cNvPr>
@@ -1792,7 +1792,7 @@
           <p:cNvPr id="7" name="日期占位符 6">
             <a:extLst>
               <a:ext uri="{FF2B5EF4-FFF2-40B4-BE49-F238E27FC236}">
-                <a16:creationId xmlns:a16="http://schemas.microsoft.com/office/drawing/2014/main" id="{40CC18F1-0384-389F-E42C-33F4989AA3DC}"/>
+                <a16:creationId xmlns:a16="http://schemas.microsoft.com/office/drawing/2014/main" id="{5B61A430-9334-359E-E974-34A981C9C407}"/>
               </a:ext>
             </a:extLst>
           </p:cNvPr>
@@ -1808,7 +1808,7 @@
           <a:bodyPr/>
           <a:lstStyle/>
           <a:p>
-            <a:fld id="{B5F54EA4-DFE5-4A93-A92C-9329DC63FF94}" type="datetimeFigureOut">
+            <a:fld id="{1E459232-470C-4E6B-83B0-DE9B9AF9E55F}" type="datetimeFigureOut">
               <a:rPr lang="zh-CN" altLang="en-US" smtClean="0"/>
               <a:t>2024/3/10</a:t>
             </a:fld>
@@ -1821,7 +1821,7 @@
           <p:cNvPr id="8" name="页脚占位符 7">
             <a:extLst>
               <a:ext uri="{FF2B5EF4-FFF2-40B4-BE49-F238E27FC236}">
-                <a16:creationId xmlns:a16="http://schemas.microsoft.com/office/drawing/2014/main" id="{8436FFBA-CF99-0ADB-8F9D-857DF61870EF}"/>
+                <a16:creationId xmlns:a16="http://schemas.microsoft.com/office/drawing/2014/main" id="{51086413-E06E-26DC-CE29-23038DCBDF7B}"/>
               </a:ext>
             </a:extLst>
           </p:cNvPr>
@@ -1846,7 +1846,7 @@
           <p:cNvPr id="9" name="灯片编号占位符 8">
             <a:extLst>
               <a:ext uri="{FF2B5EF4-FFF2-40B4-BE49-F238E27FC236}">
-                <a16:creationId xmlns:a16="http://schemas.microsoft.com/office/drawing/2014/main" id="{B0AC56F9-308F-B8F3-BCA7-A864B9C2E7BD}"/>
+                <a16:creationId xmlns:a16="http://schemas.microsoft.com/office/drawing/2014/main" id="{ECC61E86-8E01-54A6-689B-AC5CE8D04917}"/>
               </a:ext>
             </a:extLst>
           </p:cNvPr>
@@ -1862,7 +1862,7 @@
           <a:bodyPr/>
           <a:lstStyle/>
           <a:p>
-            <a:fld id="{8A482C0D-44E8-4D5D-B5B4-B3E769D7F054}" type="slidenum">
+            <a:fld id="{8161A78D-CCF2-4BBB-B090-B8FCBF00980A}" type="slidenum">
               <a:rPr lang="zh-CN" altLang="en-US" smtClean="0"/>
               <a:t>‹#›</a:t>
             </a:fld>
@@ -1873,7 +1873,7 @@
     </p:spTree>
     <p:extLst>
       <p:ext uri="{BB962C8B-B14F-4D97-AF65-F5344CB8AC3E}">
-        <p14:creationId xmlns:p14="http://schemas.microsoft.com/office/powerpoint/2010/main" val="1638375849"/>
+        <p14:creationId xmlns:p14="http://schemas.microsoft.com/office/powerpoint/2010/main" val="2734630775"/>
       </p:ext>
     </p:extLst>
   </p:cSld>
@@ -1905,7 +1905,7 @@
           <p:cNvPr id="2" name="标题 1">
             <a:extLst>
               <a:ext uri="{FF2B5EF4-FFF2-40B4-BE49-F238E27FC236}">
-                <a16:creationId xmlns:a16="http://schemas.microsoft.com/office/drawing/2014/main" id="{C0D18205-4756-B10F-11EC-0FD2C2D08894}"/>
+                <a16:creationId xmlns:a16="http://schemas.microsoft.com/office/drawing/2014/main" id="{F5A23630-932C-36BC-7DD5-5939C9465836}"/>
               </a:ext>
             </a:extLst>
           </p:cNvPr>
@@ -1933,7 +1933,7 @@
           <p:cNvPr id="3" name="日期占位符 2">
             <a:extLst>
               <a:ext uri="{FF2B5EF4-FFF2-40B4-BE49-F238E27FC236}">
-                <a16:creationId xmlns:a16="http://schemas.microsoft.com/office/drawing/2014/main" id="{7B3AA041-5DE5-0AA1-2F2A-C23570343016}"/>
+                <a16:creationId xmlns:a16="http://schemas.microsoft.com/office/drawing/2014/main" id="{B413534B-082C-302C-EB87-184546BE1D9D}"/>
               </a:ext>
             </a:extLst>
           </p:cNvPr>
@@ -1949,7 +1949,7 @@
           <a:bodyPr/>
           <a:lstStyle/>
           <a:p>
-            <a:fld id="{B5F54EA4-DFE5-4A93-A92C-9329DC63FF94}" type="datetimeFigureOut">
+            <a:fld id="{1E459232-470C-4E6B-83B0-DE9B9AF9E55F}" type="datetimeFigureOut">
               <a:rPr lang="zh-CN" altLang="en-US" smtClean="0"/>
               <a:t>2024/3/10</a:t>
             </a:fld>
@@ -1962,7 +1962,7 @@
           <p:cNvPr id="4" name="页脚占位符 3">
             <a:extLst>
               <a:ext uri="{FF2B5EF4-FFF2-40B4-BE49-F238E27FC236}">
-                <a16:creationId xmlns:a16="http://schemas.microsoft.com/office/drawing/2014/main" id="{C64D3AF3-B65B-2376-44A3-1571E76DF354}"/>
+                <a16:creationId xmlns:a16="http://schemas.microsoft.com/office/drawing/2014/main" id="{BE56386A-DD36-EEF8-607B-92335E350B11}"/>
               </a:ext>
             </a:extLst>
           </p:cNvPr>
@@ -1987,7 +1987,7 @@
           <p:cNvPr id="5" name="灯片编号占位符 4">
             <a:extLst>
               <a:ext uri="{FF2B5EF4-FFF2-40B4-BE49-F238E27FC236}">
-                <a16:creationId xmlns:a16="http://schemas.microsoft.com/office/drawing/2014/main" id="{0F831164-7BFA-9AD6-21CA-FBF015340951}"/>
+                <a16:creationId xmlns:a16="http://schemas.microsoft.com/office/drawing/2014/main" id="{C8D979B6-888D-51A9-1F17-8FFEE6D19874}"/>
               </a:ext>
             </a:extLst>
           </p:cNvPr>
@@ -2003,7 +2003,7 @@
           <a:bodyPr/>
           <a:lstStyle/>
           <a:p>
-            <a:fld id="{8A482C0D-44E8-4D5D-B5B4-B3E769D7F054}" type="slidenum">
+            <a:fld id="{8161A78D-CCF2-4BBB-B090-B8FCBF00980A}" type="slidenum">
               <a:rPr lang="zh-CN" altLang="en-US" smtClean="0"/>
               <a:t>‹#›</a:t>
             </a:fld>
@@ -2014,7 +2014,7 @@
     </p:spTree>
     <p:extLst>
       <p:ext uri="{BB962C8B-B14F-4D97-AF65-F5344CB8AC3E}">
-        <p14:creationId xmlns:p14="http://schemas.microsoft.com/office/powerpoint/2010/main" val="3742972611"/>
+        <p14:creationId xmlns:p14="http://schemas.microsoft.com/office/powerpoint/2010/main" val="2790351395"/>
       </p:ext>
     </p:extLst>
   </p:cSld>
@@ -2046,7 +2046,7 @@
           <p:cNvPr id="2" name="日期占位符 1">
             <a:extLst>
               <a:ext uri="{FF2B5EF4-FFF2-40B4-BE49-F238E27FC236}">
-                <a16:creationId xmlns:a16="http://schemas.microsoft.com/office/drawing/2014/main" id="{B5223385-32AD-0321-F3E1-C9BEDAB66821}"/>
+                <a16:creationId xmlns:a16="http://schemas.microsoft.com/office/drawing/2014/main" id="{2329A649-044E-600A-D902-D5C50F76DCFA}"/>
               </a:ext>
             </a:extLst>
           </p:cNvPr>
@@ -2062,7 +2062,7 @@
           <a:bodyPr/>
           <a:lstStyle/>
           <a:p>
-            <a:fld id="{B5F54EA4-DFE5-4A93-A92C-9329DC63FF94}" type="datetimeFigureOut">
+            <a:fld id="{1E459232-470C-4E6B-83B0-DE9B9AF9E55F}" type="datetimeFigureOut">
               <a:rPr lang="zh-CN" altLang="en-US" smtClean="0"/>
               <a:t>2024/3/10</a:t>
             </a:fld>
@@ -2075,7 +2075,7 @@
           <p:cNvPr id="3" name="页脚占位符 2">
             <a:extLst>
               <a:ext uri="{FF2B5EF4-FFF2-40B4-BE49-F238E27FC236}">
-                <a16:creationId xmlns:a16="http://schemas.microsoft.com/office/drawing/2014/main" id="{070AC99C-4087-D230-8B4D-8E9314B2BA98}"/>
+                <a16:creationId xmlns:a16="http://schemas.microsoft.com/office/drawing/2014/main" id="{0B9C9F0C-C05F-D455-C6C7-689523D26ED6}"/>
               </a:ext>
             </a:extLst>
           </p:cNvPr>
@@ -2100,7 +2100,7 @@
           <p:cNvPr id="4" name="灯片编号占位符 3">
             <a:extLst>
               <a:ext uri="{FF2B5EF4-FFF2-40B4-BE49-F238E27FC236}">
-                <a16:creationId xmlns:a16="http://schemas.microsoft.com/office/drawing/2014/main" id="{73D6E30E-7706-0168-5674-E35009125406}"/>
+                <a16:creationId xmlns:a16="http://schemas.microsoft.com/office/drawing/2014/main" id="{45EED4B6-960D-A094-ACCA-DF851451041A}"/>
               </a:ext>
             </a:extLst>
           </p:cNvPr>
@@ -2116,7 +2116,7 @@
           <a:bodyPr/>
           <a:lstStyle/>
           <a:p>
-            <a:fld id="{8A482C0D-44E8-4D5D-B5B4-B3E769D7F054}" type="slidenum">
+            <a:fld id="{8161A78D-CCF2-4BBB-B090-B8FCBF00980A}" type="slidenum">
               <a:rPr lang="zh-CN" altLang="en-US" smtClean="0"/>
               <a:t>‹#›</a:t>
             </a:fld>
@@ -2127,7 +2127,7 @@
     </p:spTree>
     <p:extLst>
       <p:ext uri="{BB962C8B-B14F-4D97-AF65-F5344CB8AC3E}">
-        <p14:creationId xmlns:p14="http://schemas.microsoft.com/office/powerpoint/2010/main" val="3789671290"/>
+        <p14:creationId xmlns:p14="http://schemas.microsoft.com/office/powerpoint/2010/main" val="2433396770"/>
       </p:ext>
     </p:extLst>
   </p:cSld>
@@ -2159,7 +2159,7 @@
           <p:cNvPr id="2" name="标题 1">
             <a:extLst>
               <a:ext uri="{FF2B5EF4-FFF2-40B4-BE49-F238E27FC236}">
-                <a16:creationId xmlns:a16="http://schemas.microsoft.com/office/drawing/2014/main" id="{0B0D184D-49CB-AD29-8D3C-593CA1FE1E2A}"/>
+                <a16:creationId xmlns:a16="http://schemas.microsoft.com/office/drawing/2014/main" id="{8D0FD026-6EFE-4B91-5843-6010D8E8E6BD}"/>
               </a:ext>
             </a:extLst>
           </p:cNvPr>
@@ -2196,7 +2196,7 @@
           <p:cNvPr id="3" name="内容占位符 2">
             <a:extLst>
               <a:ext uri="{FF2B5EF4-FFF2-40B4-BE49-F238E27FC236}">
-                <a16:creationId xmlns:a16="http://schemas.microsoft.com/office/drawing/2014/main" id="{4C8D9788-06C0-73FD-7FCE-CDE861AF294A}"/>
+                <a16:creationId xmlns:a16="http://schemas.microsoft.com/office/drawing/2014/main" id="{4400EB7E-1485-D144-D4FF-9F2865047A1B}"/>
               </a:ext>
             </a:extLst>
           </p:cNvPr>
@@ -2286,7 +2286,7 @@
           <p:cNvPr id="4" name="文本占位符 3">
             <a:extLst>
               <a:ext uri="{FF2B5EF4-FFF2-40B4-BE49-F238E27FC236}">
-                <a16:creationId xmlns:a16="http://schemas.microsoft.com/office/drawing/2014/main" id="{DFC79A5B-D386-73F6-5D3E-21D9D21FAD4E}"/>
+                <a16:creationId xmlns:a16="http://schemas.microsoft.com/office/drawing/2014/main" id="{5974568B-3F07-E501-4B0F-6C6A3D1CA7AD}"/>
               </a:ext>
             </a:extLst>
           </p:cNvPr>
@@ -2357,7 +2357,7 @@
           <p:cNvPr id="5" name="日期占位符 4">
             <a:extLst>
               <a:ext uri="{FF2B5EF4-FFF2-40B4-BE49-F238E27FC236}">
-                <a16:creationId xmlns:a16="http://schemas.microsoft.com/office/drawing/2014/main" id="{89E27F56-CFDA-A5C6-B53B-6BEFE577F55E}"/>
+                <a16:creationId xmlns:a16="http://schemas.microsoft.com/office/drawing/2014/main" id="{FB136826-1630-1E09-7581-F3BC227AD29B}"/>
               </a:ext>
             </a:extLst>
           </p:cNvPr>
@@ -2373,7 +2373,7 @@
           <a:bodyPr/>
           <a:lstStyle/>
           <a:p>
-            <a:fld id="{B5F54EA4-DFE5-4A93-A92C-9329DC63FF94}" type="datetimeFigureOut">
+            <a:fld id="{1E459232-470C-4E6B-83B0-DE9B9AF9E55F}" type="datetimeFigureOut">
               <a:rPr lang="zh-CN" altLang="en-US" smtClean="0"/>
               <a:t>2024/3/10</a:t>
             </a:fld>
@@ -2386,7 +2386,7 @@
           <p:cNvPr id="6" name="页脚占位符 5">
             <a:extLst>
               <a:ext uri="{FF2B5EF4-FFF2-40B4-BE49-F238E27FC236}">
-                <a16:creationId xmlns:a16="http://schemas.microsoft.com/office/drawing/2014/main" id="{6AA8AA26-FD3A-99A2-541F-BFFB6074D270}"/>
+                <a16:creationId xmlns:a16="http://schemas.microsoft.com/office/drawing/2014/main" id="{D86442F9-4FC6-445B-2396-8DEB69210C92}"/>
               </a:ext>
             </a:extLst>
           </p:cNvPr>
@@ -2411,7 +2411,7 @@
           <p:cNvPr id="7" name="灯片编号占位符 6">
             <a:extLst>
               <a:ext uri="{FF2B5EF4-FFF2-40B4-BE49-F238E27FC236}">
-                <a16:creationId xmlns:a16="http://schemas.microsoft.com/office/drawing/2014/main" id="{B9368F6E-4542-363D-37BF-4EBE4CE563EF}"/>
+                <a16:creationId xmlns:a16="http://schemas.microsoft.com/office/drawing/2014/main" id="{6304738D-7AD3-F739-2924-1C816C664254}"/>
               </a:ext>
             </a:extLst>
           </p:cNvPr>
@@ -2427,7 +2427,7 @@
           <a:bodyPr/>
           <a:lstStyle/>
           <a:p>
-            <a:fld id="{8A482C0D-44E8-4D5D-B5B4-B3E769D7F054}" type="slidenum">
+            <a:fld id="{8161A78D-CCF2-4BBB-B090-B8FCBF00980A}" type="slidenum">
               <a:rPr lang="zh-CN" altLang="en-US" smtClean="0"/>
               <a:t>‹#›</a:t>
             </a:fld>
@@ -2438,7 +2438,7 @@
     </p:spTree>
     <p:extLst>
       <p:ext uri="{BB962C8B-B14F-4D97-AF65-F5344CB8AC3E}">
-        <p14:creationId xmlns:p14="http://schemas.microsoft.com/office/powerpoint/2010/main" val="3615395375"/>
+        <p14:creationId xmlns:p14="http://schemas.microsoft.com/office/powerpoint/2010/main" val="33477601"/>
       </p:ext>
     </p:extLst>
   </p:cSld>
@@ -2470,7 +2470,7 @@
           <p:cNvPr id="2" name="标题 1">
             <a:extLst>
               <a:ext uri="{FF2B5EF4-FFF2-40B4-BE49-F238E27FC236}">
-                <a16:creationId xmlns:a16="http://schemas.microsoft.com/office/drawing/2014/main" id="{B9E5449D-9B71-E88B-C0BF-52C2EA2CEC8E}"/>
+                <a16:creationId xmlns:a16="http://schemas.microsoft.com/office/drawing/2014/main" id="{40977135-A416-3646-7BF5-524ACE2EC4E3}"/>
               </a:ext>
             </a:extLst>
           </p:cNvPr>
@@ -2507,7 +2507,7 @@
           <p:cNvPr id="3" name="图片占位符 2">
             <a:extLst>
               <a:ext uri="{FF2B5EF4-FFF2-40B4-BE49-F238E27FC236}">
-                <a16:creationId xmlns:a16="http://schemas.microsoft.com/office/drawing/2014/main" id="{C4FF9B89-C38D-1A6A-74A7-82CC851D003E}"/>
+                <a16:creationId xmlns:a16="http://schemas.microsoft.com/office/drawing/2014/main" id="{C25C82C9-F1D1-51E7-0067-69F2DB3985F7}"/>
               </a:ext>
             </a:extLst>
           </p:cNvPr>
@@ -2574,7 +2574,7 @@
           <p:cNvPr id="4" name="文本占位符 3">
             <a:extLst>
               <a:ext uri="{FF2B5EF4-FFF2-40B4-BE49-F238E27FC236}">
-                <a16:creationId xmlns:a16="http://schemas.microsoft.com/office/drawing/2014/main" id="{16FE989D-4E10-5F4A-9B9D-4B54CBB1C58B}"/>
+                <a16:creationId xmlns:a16="http://schemas.microsoft.com/office/drawing/2014/main" id="{C721160D-C581-8C1B-38B4-332FB4DFA2C6}"/>
               </a:ext>
             </a:extLst>
           </p:cNvPr>
@@ -2645,7 +2645,7 @@
           <p:cNvPr id="5" name="日期占位符 4">
             <a:extLst>
               <a:ext uri="{FF2B5EF4-FFF2-40B4-BE49-F238E27FC236}">
-                <a16:creationId xmlns:a16="http://schemas.microsoft.com/office/drawing/2014/main" id="{CE9AB69C-F46E-EEB5-9917-3E5A00CE8199}"/>
+                <a16:creationId xmlns:a16="http://schemas.microsoft.com/office/drawing/2014/main" id="{FCE8A82F-D21F-A511-00C5-6226DEFE51D3}"/>
               </a:ext>
             </a:extLst>
           </p:cNvPr>
@@ -2661,7 +2661,7 @@
           <a:bodyPr/>
           <a:lstStyle/>
           <a:p>
-            <a:fld id="{B5F54EA4-DFE5-4A93-A92C-9329DC63FF94}" type="datetimeFigureOut">
+            <a:fld id="{1E459232-470C-4E6B-83B0-DE9B9AF9E55F}" type="datetimeFigureOut">
               <a:rPr lang="zh-CN" altLang="en-US" smtClean="0"/>
               <a:t>2024/3/10</a:t>
             </a:fld>
@@ -2674,7 +2674,7 @@
           <p:cNvPr id="6" name="页脚占位符 5">
             <a:extLst>
               <a:ext uri="{FF2B5EF4-FFF2-40B4-BE49-F238E27FC236}">
-                <a16:creationId xmlns:a16="http://schemas.microsoft.com/office/drawing/2014/main" id="{C91FD5C1-E824-5516-3207-2674B48AB09B}"/>
+                <a16:creationId xmlns:a16="http://schemas.microsoft.com/office/drawing/2014/main" id="{CA5D9420-9D57-9BE1-7E83-CF57675040A3}"/>
               </a:ext>
             </a:extLst>
           </p:cNvPr>
@@ -2699,7 +2699,7 @@
           <p:cNvPr id="7" name="灯片编号占位符 6">
             <a:extLst>
               <a:ext uri="{FF2B5EF4-FFF2-40B4-BE49-F238E27FC236}">
-                <a16:creationId xmlns:a16="http://schemas.microsoft.com/office/drawing/2014/main" id="{A3C7D2EC-2AC8-119D-69B5-EFF166D36782}"/>
+                <a16:creationId xmlns:a16="http://schemas.microsoft.com/office/drawing/2014/main" id="{2CBDD0ED-D4CF-8DF3-80B4-D72EBE935E00}"/>
               </a:ext>
             </a:extLst>
           </p:cNvPr>
@@ -2715,7 +2715,7 @@
           <a:bodyPr/>
           <a:lstStyle/>
           <a:p>
-            <a:fld id="{8A482C0D-44E8-4D5D-B5B4-B3E769D7F054}" type="slidenum">
+            <a:fld id="{8161A78D-CCF2-4BBB-B090-B8FCBF00980A}" type="slidenum">
               <a:rPr lang="zh-CN" altLang="en-US" smtClean="0"/>
               <a:t>‹#›</a:t>
             </a:fld>
@@ -2726,7 +2726,7 @@
     </p:spTree>
     <p:extLst>
       <p:ext uri="{BB962C8B-B14F-4D97-AF65-F5344CB8AC3E}">
-        <p14:creationId xmlns:p14="http://schemas.microsoft.com/office/powerpoint/2010/main" val="915398148"/>
+        <p14:creationId xmlns:p14="http://schemas.microsoft.com/office/powerpoint/2010/main" val="267187274"/>
       </p:ext>
     </p:extLst>
   </p:cSld>
@@ -2763,7 +2763,7 @@
           <p:cNvPr id="2" name="标题占位符 1">
             <a:extLst>
               <a:ext uri="{FF2B5EF4-FFF2-40B4-BE49-F238E27FC236}">
-                <a16:creationId xmlns:a16="http://schemas.microsoft.com/office/drawing/2014/main" id="{8803865B-A0C5-EC07-4406-D15620A2B686}"/>
+                <a16:creationId xmlns:a16="http://schemas.microsoft.com/office/drawing/2014/main" id="{7B338C31-4639-5E6A-724D-02B3F291331F}"/>
               </a:ext>
             </a:extLst>
           </p:cNvPr>
@@ -2801,7 +2801,7 @@
           <p:cNvPr id="3" name="文本占位符 2">
             <a:extLst>
               <a:ext uri="{FF2B5EF4-FFF2-40B4-BE49-F238E27FC236}">
-                <a16:creationId xmlns:a16="http://schemas.microsoft.com/office/drawing/2014/main" id="{0235DE7B-B2B9-E7D9-EDD9-A8ABC03C0F7C}"/>
+                <a16:creationId xmlns:a16="http://schemas.microsoft.com/office/drawing/2014/main" id="{6EA14510-F11E-A426-CC4B-470B0D5AEB87}"/>
               </a:ext>
             </a:extLst>
           </p:cNvPr>
@@ -2868,7 +2868,7 @@
           <p:cNvPr id="4" name="日期占位符 3">
             <a:extLst>
               <a:ext uri="{FF2B5EF4-FFF2-40B4-BE49-F238E27FC236}">
-                <a16:creationId xmlns:a16="http://schemas.microsoft.com/office/drawing/2014/main" id="{B45C1C53-BEB4-9E7B-318C-B86FEF3892DE}"/>
+                <a16:creationId xmlns:a16="http://schemas.microsoft.com/office/drawing/2014/main" id="{D68D4790-EE32-3C6E-8225-7A34F2EA8777}"/>
               </a:ext>
             </a:extLst>
           </p:cNvPr>
@@ -2902,7 +2902,7 @@
             </a:lvl1pPr>
           </a:lstStyle>
           <a:p>
-            <a:fld id="{B5F54EA4-DFE5-4A93-A92C-9329DC63FF94}" type="datetimeFigureOut">
+            <a:fld id="{1E459232-470C-4E6B-83B0-DE9B9AF9E55F}" type="datetimeFigureOut">
               <a:rPr lang="zh-CN" altLang="en-US" smtClean="0"/>
               <a:t>2024/3/10</a:t>
             </a:fld>
@@ -2915,7 +2915,7 @@
           <p:cNvPr id="5" name="页脚占位符 4">
             <a:extLst>
               <a:ext uri="{FF2B5EF4-FFF2-40B4-BE49-F238E27FC236}">
-                <a16:creationId xmlns:a16="http://schemas.microsoft.com/office/drawing/2014/main" id="{18BCE723-16D1-8983-BC0D-07AA66916C3B}"/>
+                <a16:creationId xmlns:a16="http://schemas.microsoft.com/office/drawing/2014/main" id="{2ADCF195-6120-6587-6BE1-8B43D4ACEFA4}"/>
               </a:ext>
             </a:extLst>
           </p:cNvPr>
@@ -2958,7 +2958,7 @@
           <p:cNvPr id="6" name="灯片编号占位符 5">
             <a:extLst>
               <a:ext uri="{FF2B5EF4-FFF2-40B4-BE49-F238E27FC236}">
-                <a16:creationId xmlns:a16="http://schemas.microsoft.com/office/drawing/2014/main" id="{AB6ABDAC-251C-23A6-3E9F-A95C5552A138}"/>
+                <a16:creationId xmlns:a16="http://schemas.microsoft.com/office/drawing/2014/main" id="{D91C6FAA-C86B-F6CF-D976-E8B273FF684A}"/>
               </a:ext>
             </a:extLst>
           </p:cNvPr>
@@ -2992,7 +2992,7 @@
             </a:lvl1pPr>
           </a:lstStyle>
           <a:p>
-            <a:fld id="{8A482C0D-44E8-4D5D-B5B4-B3E769D7F054}" type="slidenum">
+            <a:fld id="{8161A78D-CCF2-4BBB-B090-B8FCBF00980A}" type="slidenum">
               <a:rPr lang="zh-CN" altLang="en-US" smtClean="0"/>
               <a:t>‹#›</a:t>
             </a:fld>
@@ -3003,7 +3003,7 @@
     </p:spTree>
     <p:extLst>
       <p:ext uri="{BB962C8B-B14F-4D97-AF65-F5344CB8AC3E}">
-        <p14:creationId xmlns:p14="http://schemas.microsoft.com/office/powerpoint/2010/main" val="1197319647"/>
+        <p14:creationId xmlns:p14="http://schemas.microsoft.com/office/powerpoint/2010/main" val="287627029"/>
       </p:ext>
     </p:extLst>
   </p:cSld>
@@ -3323,7 +3323,7 @@
       </p:grpSpPr>
       <p:pic>
         <p:nvPicPr>
-          <p:cNvPr id="716802" name="Picture 2" descr="699"/>
+          <p:cNvPr id="717826" name="Picture 2" descr="700"/>
           <p:cNvPicPr>
             <a:picLocks noChangeAspect="1" noChangeArrowheads="1"/>
           </p:cNvPicPr>
@@ -3344,8 +3344,8 @@
         </p:blipFill>
         <p:spPr bwMode="auto">
           <a:xfrm>
-            <a:off x="1524000" y="0"/>
-            <a:ext cx="9144000" cy="6858000"/>
+            <a:off x="1524000" y="1"/>
+            <a:ext cx="9144000" cy="6092825"/>
           </a:xfrm>
           <a:prstGeom prst="rect">
             <a:avLst/>
